--- a/materials/slides/ch16.pptx
+++ b/materials/slides/ch16.pptx
@@ -24,20 +24,20 @@
   <p:notesSz cx="6858000" cy="9144000"/>
   <p:embeddedFontLst>
     <p:embeddedFont>
+      <p:font typeface="Calibri" panose="020F0502020204030204" pitchFamily="34" charset="0"/>
+      <p:regular r:id="rId14"/>
+      <p:bold r:id="rId15"/>
+      <p:italic r:id="rId16"/>
+      <p:boldItalic r:id="rId17"/>
+    </p:embeddedFont>
+    <p:embeddedFont>
       <p:font typeface="黑体" panose="02010609060101010101" pitchFamily="49" charset="-122"/>
-      <p:regular r:id="rId14"/>
+      <p:regular r:id="rId18"/>
     </p:embeddedFont>
     <p:embeddedFont>
       <p:font typeface="微软雅黑" panose="020B0503020204020204" pitchFamily="34" charset="-122"/>
-      <p:regular r:id="rId15"/>
-      <p:bold r:id="rId16"/>
-    </p:embeddedFont>
-    <p:embeddedFont>
-      <p:font typeface="Calibri" panose="020F0502020204030204" pitchFamily="34" charset="0"/>
-      <p:regular r:id="rId17"/>
-      <p:bold r:id="rId18"/>
-      <p:italic r:id="rId19"/>
-      <p:boldItalic r:id="rId20"/>
+      <p:regular r:id="rId19"/>
+      <p:bold r:id="rId20"/>
     </p:embeddedFont>
   </p:embeddedFontLst>
   <p:defaultTextStyle>
@@ -182,10 +182,6 @@
     </p:ext>
   </p:extLst>
 </p:presentation>
-</file>
-
-<file path=ppt/revisionInfo.xml><?xml version="1.0" encoding="utf-8"?>
-<p1510:revInfo xmlns:a="http://schemas.openxmlformats.org/drawingml/2006/main" xmlns:r="http://schemas.openxmlformats.org/officeDocument/2006/relationships" xmlns:p1510="http://schemas.microsoft.com/office/powerpoint/2015/10/main"/>
 </file>
 
 <file path=ppt/diagrams/colors1.xml><?xml version="1.0" encoding="utf-8"?>
@@ -13409,7 +13405,7 @@
               <a:pPr>
                 <a:defRPr/>
               </a:pPr>
-              <a:t>2018/2/5</a:t>
+              <a:t>2019/7/16</a:t>
             </a:fld>
             <a:endParaRPr lang="zh-CN" altLang="en-US"/>
           </a:p>
@@ -15099,7 +15095,7 @@
           <a:graphicData uri="http://schemas.openxmlformats.org/presentationml/2006/ole">
             <mc:AlternateContent xmlns:mc="http://schemas.openxmlformats.org/markup-compatibility/2006">
               <mc:Choice xmlns:v="urn:schemas-microsoft-com:vml" Requires="v">
-                <p:oleObj spid="_x0000_s38915" r:id="rId4" imgW="6824520" imgH="1076040" progId="">
+                <p:oleObj spid="_x0000_s38916" r:id="rId4" imgW="6824520" imgH="1076040" progId="">
                   <p:embed/>
                 </p:oleObj>
               </mc:Choice>
@@ -15570,7 +15566,7 @@
               <a:pPr>
                 <a:defRPr/>
               </a:pPr>
-              <a:t>2018/2/5</a:t>
+              <a:t>2019/7/16</a:t>
             </a:fld>
             <a:endParaRPr lang="zh-CN" altLang="en-US"/>
           </a:p>
@@ -15793,7 +15789,7 @@
               <a:pPr>
                 <a:defRPr/>
               </a:pPr>
-              <a:t>2018/2/5</a:t>
+              <a:t>2019/7/16</a:t>
             </a:fld>
             <a:endParaRPr lang="zh-CN" altLang="en-US"/>
           </a:p>
@@ -15982,7 +15978,7 @@
           <a:graphicData uri="http://schemas.openxmlformats.org/presentationml/2006/ole">
             <mc:AlternateContent xmlns:mc="http://schemas.openxmlformats.org/markup-compatibility/2006">
               <mc:Choice xmlns:v="urn:schemas-microsoft-com:vml" Requires="v">
-                <p:oleObj spid="_x0000_s44035" r:id="rId4" imgW="6824520" imgH="1076040" progId="">
+                <p:oleObj spid="_x0000_s44036" r:id="rId4" imgW="6824520" imgH="1076040" progId="">
                   <p:embed/>
                 </p:oleObj>
               </mc:Choice>
@@ -16568,7 +16564,7 @@
           <a:graphicData uri="http://schemas.openxmlformats.org/presentationml/2006/ole">
             <mc:AlternateContent xmlns:mc="http://schemas.openxmlformats.org/markup-compatibility/2006">
               <mc:Choice xmlns:v="urn:schemas-microsoft-com:vml" Requires="v">
-                <p:oleObj spid="_x0000_s45059" r:id="rId4" imgW="6824520" imgH="1076040" progId="">
+                <p:oleObj spid="_x0000_s45060" r:id="rId4" imgW="6824520" imgH="1076040" progId="">
                   <p:embed/>
                 </p:oleObj>
               </mc:Choice>
@@ -17179,7 +17175,7 @@
           <a:graphicData uri="http://schemas.openxmlformats.org/presentationml/2006/ole">
             <mc:AlternateContent xmlns:mc="http://schemas.openxmlformats.org/markup-compatibility/2006">
               <mc:Choice xmlns:v="urn:schemas-microsoft-com:vml" Requires="v">
-                <p:oleObj spid="_x0000_s39939" r:id="rId4" imgW="6824520" imgH="1076040" progId="">
+                <p:oleObj spid="_x0000_s39940" r:id="rId4" imgW="6824520" imgH="1076040" progId="">
                   <p:embed/>
                 </p:oleObj>
               </mc:Choice>
@@ -17748,7 +17744,7 @@
           <a:graphicData uri="http://schemas.openxmlformats.org/presentationml/2006/ole">
             <mc:AlternateContent xmlns:mc="http://schemas.openxmlformats.org/markup-compatibility/2006">
               <mc:Choice xmlns:v="urn:schemas-microsoft-com:vml" Requires="v">
-                <p:oleObj spid="_x0000_s40963" r:id="rId4" imgW="6824520" imgH="1076040" progId="">
+                <p:oleObj spid="_x0000_s40964" r:id="rId4" imgW="6824520" imgH="1076040" progId="">
                   <p:embed/>
                 </p:oleObj>
               </mc:Choice>
@@ -18301,7 +18297,7 @@
           <a:graphicData uri="http://schemas.openxmlformats.org/presentationml/2006/ole">
             <mc:AlternateContent xmlns:mc="http://schemas.openxmlformats.org/markup-compatibility/2006">
               <mc:Choice xmlns:v="urn:schemas-microsoft-com:vml" Requires="v">
-                <p:oleObj spid="_x0000_s41987" r:id="rId4" imgW="6824520" imgH="1076040" progId="">
+                <p:oleObj spid="_x0000_s41988" r:id="rId4" imgW="6824520" imgH="1076040" progId="">
                   <p:embed/>
                 </p:oleObj>
               </mc:Choice>
@@ -18862,7 +18858,7 @@
               <a:pPr>
                 <a:defRPr/>
               </a:pPr>
-              <a:t>2018/2/5</a:t>
+              <a:t>2019/7/16</a:t>
             </a:fld>
             <a:endParaRPr lang="zh-CN" altLang="en-US"/>
           </a:p>
@@ -19326,7 +19322,7 @@
               <a:pPr>
                 <a:defRPr/>
               </a:pPr>
-              <a:t>2018/2/5</a:t>
+              <a:t>2019/7/16</a:t>
             </a:fld>
             <a:endParaRPr lang="zh-CN" altLang="en-US"/>
           </a:p>
@@ -19515,7 +19511,7 @@
           <a:graphicData uri="http://schemas.openxmlformats.org/presentationml/2006/ole">
             <mc:AlternateContent xmlns:mc="http://schemas.openxmlformats.org/markup-compatibility/2006">
               <mc:Choice xmlns:v="urn:schemas-microsoft-com:vml" Requires="v">
-                <p:oleObj spid="_x0000_s43011" r:id="rId4" imgW="6824520" imgH="1076040" progId="">
+                <p:oleObj spid="_x0000_s43012" r:id="rId4" imgW="6824520" imgH="1076040" progId="">
                   <p:embed/>
                 </p:oleObj>
               </mc:Choice>
@@ -19908,7 +19904,7 @@
               <a:pPr>
                 <a:defRPr/>
               </a:pPr>
-              <a:t>2018/2/5</a:t>
+              <a:t>2019/7/16</a:t>
             </a:fld>
             <a:endParaRPr lang="zh-CN" altLang="en-US"/>
           </a:p>
@@ -20048,7 +20044,7 @@
               <a:pPr>
                 <a:defRPr/>
               </a:pPr>
-              <a:t>2018/2/5</a:t>
+              <a:t>2019/7/16</a:t>
             </a:fld>
             <a:endParaRPr lang="zh-CN" altLang="en-US"/>
           </a:p>
@@ -20368,7 +20364,7 @@
               <a:pPr>
                 <a:defRPr/>
               </a:pPr>
-              <a:t>2018/2/5</a:t>
+              <a:t>2019/7/16</a:t>
             </a:fld>
             <a:endParaRPr lang="zh-CN" altLang="en-US"/>
           </a:p>
@@ -20668,7 +20664,7 @@
               <a:pPr>
                 <a:defRPr/>
               </a:pPr>
-              <a:t>2018/2/5</a:t>
+              <a:t>2019/7/16</a:t>
             </a:fld>
             <a:endParaRPr lang="zh-CN" altLang="en-US"/>
           </a:p>
@@ -21054,7 +21050,7 @@
               <a:pPr>
                 <a:defRPr/>
               </a:pPr>
-              <a:t>2018/2/5</a:t>
+              <a:t>2019/7/16</a:t>
             </a:fld>
             <a:endParaRPr lang="zh-CN" altLang="en-US"/>
           </a:p>
@@ -21188,7 +21184,7 @@
           <a:graphicData uri="http://schemas.openxmlformats.org/presentationml/2006/ole">
             <mc:AlternateContent xmlns:mc="http://schemas.openxmlformats.org/markup-compatibility/2006">
               <mc:Choice xmlns:v="urn:schemas-microsoft-com:vml" Requires="v">
-                <p:oleObj spid="_x0000_s1034" r:id="rId17" imgW="6824520" imgH="1076040" progId="">
+                <p:oleObj spid="_x0000_s1035" r:id="rId17" imgW="6824520" imgH="1076040" progId="">
                   <p:embed/>
                 </p:oleObj>
               </mc:Choice>
@@ -23893,7 +23889,7 @@
               <a:defRPr/>
             </a:pPr>
             <a:r>
-              <a:rPr lang="en-US" altLang="zh-CN" sz="3200">
+              <a:rPr lang="en-US" altLang="zh-CN" sz="3200" dirty="0">
                 <a:latin typeface="+mn-lt"/>
                 <a:ea typeface="+mn-ea"/>
               </a:rPr>
@@ -23910,11 +23906,39 @@
               <a:defRPr/>
             </a:pPr>
             <a:r>
+              <a:rPr lang="en-US" altLang="zh-CN" sz="2800" dirty="0">
+                <a:latin typeface="+mn-lt"/>
+                <a:ea typeface="+mn-ea"/>
+              </a:rPr>
+              <a:t>Public bool </a:t>
+            </a:r>
+            <a:r>
+              <a:rPr lang="en-US" altLang="zh-CN" sz="2800" dirty="0" err="1">
+                <a:latin typeface="+mn-lt"/>
+                <a:ea typeface="+mn-ea"/>
+              </a:rPr>
+              <a:t>CheckPassword</a:t>
+            </a:r>
+            <a:r>
+              <a:rPr lang="en-US" altLang="zh-CN" sz="2800" dirty="0">
+                <a:latin typeface="+mn-lt"/>
+                <a:ea typeface="+mn-ea"/>
+              </a:rPr>
+              <a:t>(string </a:t>
+            </a:r>
+            <a:r>
+              <a:rPr lang="en-US" altLang="zh-CN" sz="2800" dirty="0" err="1">
+                <a:latin typeface="+mn-lt"/>
+                <a:ea typeface="+mn-ea"/>
+              </a:rPr>
+              <a:t>cardNo,string</a:t>
+            </a:r>
+            <a:r>
               <a:rPr lang="en-US" altLang="zh-CN" sz="2800">
                 <a:latin typeface="+mn-lt"/>
                 <a:ea typeface="+mn-ea"/>
               </a:rPr>
-              <a:t>Public bool CheckPassword(string cardNo,string password){…}</a:t>
+              <a:t> password){…} </a:t>
             </a:r>
           </a:p>
           <a:p>
@@ -23927,11 +23951,25 @@
               <a:defRPr/>
             </a:pPr>
             <a:r>
-              <a:rPr lang="en-US" altLang="zh-CN" sz="2800">
+              <a:rPr lang="en-US" altLang="zh-CN" sz="2800" dirty="0">
                 <a:latin typeface="+mn-lt"/>
                 <a:ea typeface="+mn-ea"/>
               </a:rPr>
-              <a:t>public money CountMoney(){…}</a:t>
+              <a:t>public money </a:t>
+            </a:r>
+            <a:r>
+              <a:rPr lang="en-US" altLang="zh-CN" sz="2800" dirty="0" err="1">
+                <a:latin typeface="+mn-lt"/>
+                <a:ea typeface="+mn-ea"/>
+              </a:rPr>
+              <a:t>CountMoney</a:t>
+            </a:r>
+            <a:r>
+              <a:rPr lang="en-US" altLang="zh-CN" sz="2800" dirty="0">
+                <a:latin typeface="+mn-lt"/>
+                <a:ea typeface="+mn-ea"/>
+              </a:rPr>
+              <a:t>(){…}</a:t>
             </a:r>
           </a:p>
           <a:p>
@@ -23944,7 +23982,7 @@
               <a:defRPr/>
             </a:pPr>
             <a:r>
-              <a:rPr lang="en-US" altLang="zh-CN" sz="2800">
+              <a:rPr lang="en-US" altLang="zh-CN" sz="2800" dirty="0">
                 <a:latin typeface="+mn-lt"/>
                 <a:ea typeface="+mn-ea"/>
               </a:rPr>
@@ -23961,11 +23999,25 @@
               <a:defRPr/>
             </a:pPr>
             <a:r>
-              <a:rPr lang="en-US" altLang="zh-CN" sz="2800">
+              <a:rPr lang="en-US" altLang="zh-CN" sz="2800" dirty="0">
                 <a:latin typeface="+mn-lt"/>
                 <a:ea typeface="+mn-ea"/>
               </a:rPr>
-              <a:t>Public records GetTransList(){….}</a:t>
+              <a:t>Public records </a:t>
+            </a:r>
+            <a:r>
+              <a:rPr lang="en-US" altLang="zh-CN" sz="2800" dirty="0" err="1">
+                <a:latin typeface="+mn-lt"/>
+                <a:ea typeface="+mn-ea"/>
+              </a:rPr>
+              <a:t>GetTransList</a:t>
+            </a:r>
+            <a:r>
+              <a:rPr lang="en-US" altLang="zh-CN" sz="2800" dirty="0">
+                <a:latin typeface="+mn-lt"/>
+                <a:ea typeface="+mn-ea"/>
+              </a:rPr>
+              <a:t>(){….}</a:t>
             </a:r>
           </a:p>
           <a:p>
@@ -23978,7 +24030,7 @@
               <a:defRPr/>
             </a:pPr>
             <a:r>
-              <a:rPr lang="en-US" altLang="zh-CN" sz="3200">
+              <a:rPr lang="en-US" altLang="zh-CN" sz="3200" dirty="0">
                 <a:latin typeface="+mn-lt"/>
                 <a:ea typeface="+mn-ea"/>
               </a:rPr>
